--- a/Python/Week1/Week1.pptx
+++ b/Python/Week1/Week1.pptx
@@ -20,6 +20,9 @@
     <p:sldId id="268" r:id="rId14"/>
     <p:sldId id="269" r:id="rId15"/>
     <p:sldId id="270" r:id="rId16"/>
+    <p:sldId id="271" r:id="rId17"/>
+    <p:sldId id="272" r:id="rId18"/>
+    <p:sldId id="273" r:id="rId19"/>
   </p:sldIdLst>
   <p:sldSz cx="12192000" cy="6858000"/>
   <p:notesSz cx="6858000" cy="9144000"/>
@@ -118,6 +121,11 @@
       </a:defRPr>
     </a:lvl9pPr>
   </p:defaultTextStyle>
+  <p:extLst>
+    <p:ext uri="{EFAFB233-063F-42B5-8137-9DF3F51BA10A}">
+      <p15:sldGuideLst xmlns:p15="http://schemas.microsoft.com/office/powerpoint/2012/main"/>
+    </p:ext>
+  </p:extLst>
 </p:presentation>
 </file>
 
@@ -4596,19 +4604,533 @@
             <p:ph idx="1"/>
           </p:nvPr>
         </p:nvSpPr>
-        <p:spPr/>
-        <p:txBody>
-          <a:bodyPr/>
-          <a:lstStyle/>
-          <a:p>
-            <a:endParaRPr lang="en-US"/>
-          </a:p>
-        </p:txBody>
-      </p:sp>
+        <p:spPr>
+          <a:xfrm>
+            <a:off x="1517904" y="4272454"/>
+            <a:ext cx="9144000" cy="1826593"/>
+          </a:xfrm>
+        </p:spPr>
+        <p:txBody>
+          <a:bodyPr/>
+          <a:lstStyle/>
+          <a:p>
+            <a:r>
+              <a:rPr lang="en-US" dirty="0"/>
+              <a:t>Access characters with [], also called string slicing</a:t>
+            </a:r>
+          </a:p>
+          <a:p>
+            <a:pPr lvl="1"/>
+            <a:r>
+              <a:rPr lang="en-US" dirty="0"/>
+              <a:t>s[0] = ’a’			s[5] = ERROR!</a:t>
+            </a:r>
+          </a:p>
+          <a:p>
+            <a:pPr lvl="1"/>
+            <a:r>
+              <a:rPr lang="en-US" dirty="0"/>
+              <a:t>s[4] = ‘d’			s[0:2] = ‘ab’ (from index 0 to index 2-1)</a:t>
+            </a:r>
+          </a:p>
+          <a:p>
+            <a:pPr lvl="1"/>
+            <a:r>
+              <a:rPr lang="en-US" dirty="0"/>
+              <a:t>s[2:] = ‘c d’  (from index 2 all the way to the end)</a:t>
+            </a:r>
+          </a:p>
+        </p:txBody>
+      </p:sp>
+      <p:pic>
+        <p:nvPicPr>
+          <p:cNvPr id="4" name="Picture 3">
+            <a:extLst>
+              <a:ext uri="{FF2B5EF4-FFF2-40B4-BE49-F238E27FC236}">
+                <a16:creationId xmlns:a16="http://schemas.microsoft.com/office/drawing/2014/main" id="{7C39B459-D1A9-5F4B-BCE9-00E784CF7B9A}"/>
+              </a:ext>
+            </a:extLst>
+          </p:cNvPr>
+          <p:cNvPicPr>
+            <a:picLocks noChangeAspect="1"/>
+          </p:cNvPicPr>
+          <p:nvPr/>
+        </p:nvPicPr>
+        <p:blipFill>
+          <a:blip r:embed="rId2"/>
+          <a:stretch>
+            <a:fillRect/>
+          </a:stretch>
+        </p:blipFill>
+        <p:spPr>
+          <a:xfrm>
+            <a:off x="1530096" y="2276698"/>
+            <a:ext cx="2755900" cy="1879600"/>
+          </a:xfrm>
+          <a:prstGeom prst="rect">
+            <a:avLst/>
+          </a:prstGeom>
+        </p:spPr>
+      </p:pic>
+      <p:pic>
+        <p:nvPicPr>
+          <p:cNvPr id="5" name="Picture 4">
+            <a:extLst>
+              <a:ext uri="{FF2B5EF4-FFF2-40B4-BE49-F238E27FC236}">
+                <a16:creationId xmlns:a16="http://schemas.microsoft.com/office/drawing/2014/main" id="{C66E7468-8783-8F40-9A0D-8CA191572465}"/>
+              </a:ext>
+            </a:extLst>
+          </p:cNvPr>
+          <p:cNvPicPr>
+            <a:picLocks noChangeAspect="1"/>
+          </p:cNvPicPr>
+          <p:nvPr/>
+        </p:nvPicPr>
+        <p:blipFill>
+          <a:blip r:embed="rId3"/>
+          <a:stretch>
+            <a:fillRect/>
+          </a:stretch>
+        </p:blipFill>
+        <p:spPr>
+          <a:xfrm>
+            <a:off x="5354802" y="2189988"/>
+            <a:ext cx="4635500" cy="1841500"/>
+          </a:xfrm>
+          <a:prstGeom prst="rect">
+            <a:avLst/>
+          </a:prstGeom>
+        </p:spPr>
+      </p:pic>
+      <p:pic>
+        <p:nvPicPr>
+          <p:cNvPr id="6" name="Picture 5">
+            <a:extLst>
+              <a:ext uri="{FF2B5EF4-FFF2-40B4-BE49-F238E27FC236}">
+                <a16:creationId xmlns:a16="http://schemas.microsoft.com/office/drawing/2014/main" id="{2FB9E205-CF67-4446-BB3D-B1BDAC2314A4}"/>
+              </a:ext>
+            </a:extLst>
+          </p:cNvPr>
+          <p:cNvPicPr>
+            <a:picLocks noChangeAspect="1"/>
+          </p:cNvPicPr>
+          <p:nvPr/>
+        </p:nvPicPr>
+        <p:blipFill>
+          <a:blip r:embed="rId4"/>
+          <a:stretch>
+            <a:fillRect/>
+          </a:stretch>
+        </p:blipFill>
+        <p:spPr>
+          <a:xfrm>
+            <a:off x="7936405" y="1205905"/>
+            <a:ext cx="3035300" cy="863600"/>
+          </a:xfrm>
+          <a:prstGeom prst="rect">
+            <a:avLst/>
+          </a:prstGeom>
+        </p:spPr>
+      </p:pic>
     </p:spTree>
     <p:extLst>
       <p:ext uri="{BB962C8B-B14F-4D97-AF65-F5344CB8AC3E}">
         <p14:creationId xmlns:p14="http://schemas.microsoft.com/office/powerpoint/2010/main" val="1396772577"/>
+      </p:ext>
+    </p:extLst>
+  </p:cSld>
+  <p:clrMapOvr>
+    <a:masterClrMapping/>
+  </p:clrMapOvr>
+</p:sld>
+</file>
+
+<file path=ppt/slides/slide16.xml><?xml version="1.0" encoding="utf-8"?>
+<p:sld xmlns:a="http://schemas.openxmlformats.org/drawingml/2006/main" xmlns:r="http://schemas.openxmlformats.org/officeDocument/2006/relationships" xmlns:p="http://schemas.openxmlformats.org/presentationml/2006/main">
+  <p:cSld>
+    <p:spTree>
+      <p:nvGrpSpPr>
+        <p:cNvPr id="1" name=""/>
+        <p:cNvGrpSpPr/>
+        <p:nvPr/>
+      </p:nvGrpSpPr>
+      <p:grpSpPr>
+        <a:xfrm>
+          <a:off x="0" y="0"/>
+          <a:ext cx="0" cy="0"/>
+          <a:chOff x="0" y="0"/>
+          <a:chExt cx="0" cy="0"/>
+        </a:xfrm>
+      </p:grpSpPr>
+      <p:sp>
+        <p:nvSpPr>
+          <p:cNvPr id="2" name="Title 1">
+            <a:extLst>
+              <a:ext uri="{FF2B5EF4-FFF2-40B4-BE49-F238E27FC236}">
+                <a16:creationId xmlns:a16="http://schemas.microsoft.com/office/drawing/2014/main" id="{DB598DE5-68CF-B14C-BE00-0BF705EDDDEC}"/>
+              </a:ext>
+            </a:extLst>
+          </p:cNvPr>
+          <p:cNvSpPr>
+            <a:spLocks noGrp="1"/>
+          </p:cNvSpPr>
+          <p:nvPr>
+            <p:ph type="title"/>
+          </p:nvPr>
+        </p:nvSpPr>
+        <p:spPr/>
+        <p:txBody>
+          <a:bodyPr/>
+          <a:lstStyle/>
+          <a:p>
+            <a:r>
+              <a:rPr lang="en-US" dirty="0"/>
+              <a:t>Other Power of Strings</a:t>
+            </a:r>
+          </a:p>
+        </p:txBody>
+      </p:sp>
+      <p:sp>
+        <p:nvSpPr>
+          <p:cNvPr id="3" name="Content Placeholder 2">
+            <a:extLst>
+              <a:ext uri="{FF2B5EF4-FFF2-40B4-BE49-F238E27FC236}">
+                <a16:creationId xmlns:a16="http://schemas.microsoft.com/office/drawing/2014/main" id="{F380DAF7-F0E9-3A49-A150-5E486A3D6F77}"/>
+              </a:ext>
+            </a:extLst>
+          </p:cNvPr>
+          <p:cNvSpPr>
+            <a:spLocks noGrp="1"/>
+          </p:cNvSpPr>
+          <p:nvPr>
+            <p:ph idx="1"/>
+          </p:nvPr>
+        </p:nvSpPr>
+        <p:spPr>
+          <a:xfrm>
+            <a:off x="1517904" y="2412124"/>
+            <a:ext cx="9144000" cy="3686924"/>
+          </a:xfrm>
+        </p:spPr>
+        <p:txBody>
+          <a:bodyPr/>
+          <a:lstStyle/>
+          <a:p>
+            <a:r>
+              <a:rPr lang="en-US" dirty="0"/>
+              <a:t>s = ’abracadabra’</a:t>
+            </a:r>
+          </a:p>
+          <a:p>
+            <a:r>
+              <a:rPr lang="en-US" dirty="0"/>
+              <a:t>’a’ in s == True</a:t>
+            </a:r>
+          </a:p>
+          <a:p>
+            <a:r>
+              <a:rPr lang="en-US" dirty="0"/>
+              <a:t>‘cad’ in s == True</a:t>
+            </a:r>
+          </a:p>
+          <a:p>
+            <a:r>
+              <a:rPr lang="en-US" dirty="0"/>
+              <a:t>‘foo’ in s == False</a:t>
+            </a:r>
+          </a:p>
+          <a:p>
+            <a:r>
+              <a:rPr lang="en-US" dirty="0" err="1"/>
+              <a:t>s.index</a:t>
+            </a:r>
+            <a:r>
+              <a:rPr lang="en-US" dirty="0"/>
+              <a:t>(‘a’) == 0</a:t>
+            </a:r>
+          </a:p>
+          <a:p>
+            <a:r>
+              <a:rPr lang="en-US" dirty="0" err="1"/>
+              <a:t>s.index</a:t>
+            </a:r>
+            <a:r>
+              <a:rPr lang="en-US" dirty="0"/>
+              <a:t>(‘</a:t>
+            </a:r>
+            <a:r>
+              <a:rPr lang="en-US" dirty="0" err="1"/>
+              <a:t>rac</a:t>
+            </a:r>
+            <a:r>
+              <a:rPr lang="en-US" dirty="0"/>
+              <a:t>’) == 2</a:t>
+            </a:r>
+          </a:p>
+          <a:p>
+            <a:endParaRPr lang="en-US" dirty="0"/>
+          </a:p>
+        </p:txBody>
+      </p:sp>
+    </p:spTree>
+    <p:extLst>
+      <p:ext uri="{BB962C8B-B14F-4D97-AF65-F5344CB8AC3E}">
+        <p14:creationId xmlns:p14="http://schemas.microsoft.com/office/powerpoint/2010/main" val="1457918446"/>
+      </p:ext>
+    </p:extLst>
+  </p:cSld>
+  <p:clrMapOvr>
+    <a:masterClrMapping/>
+  </p:clrMapOvr>
+</p:sld>
+</file>
+
+<file path=ppt/slides/slide17.xml><?xml version="1.0" encoding="utf-8"?>
+<p:sld xmlns:a="http://schemas.openxmlformats.org/drawingml/2006/main" xmlns:r="http://schemas.openxmlformats.org/officeDocument/2006/relationships" xmlns:p="http://schemas.openxmlformats.org/presentationml/2006/main">
+  <p:cSld>
+    <p:spTree>
+      <p:nvGrpSpPr>
+        <p:cNvPr id="1" name=""/>
+        <p:cNvGrpSpPr/>
+        <p:nvPr/>
+      </p:nvGrpSpPr>
+      <p:grpSpPr>
+        <a:xfrm>
+          <a:off x="0" y="0"/>
+          <a:ext cx="0" cy="0"/>
+          <a:chOff x="0" y="0"/>
+          <a:chExt cx="0" cy="0"/>
+        </a:xfrm>
+      </p:grpSpPr>
+      <p:sp>
+        <p:nvSpPr>
+          <p:cNvPr id="2" name="Title 1">
+            <a:extLst>
+              <a:ext uri="{FF2B5EF4-FFF2-40B4-BE49-F238E27FC236}">
+                <a16:creationId xmlns:a16="http://schemas.microsoft.com/office/drawing/2014/main" id="{5ABC3C1E-067F-EA48-8B44-3E35F324E9F6}"/>
+              </a:ext>
+            </a:extLst>
+          </p:cNvPr>
+          <p:cNvSpPr>
+            <a:spLocks noGrp="1"/>
+          </p:cNvSpPr>
+          <p:nvPr>
+            <p:ph type="title"/>
+          </p:nvPr>
+        </p:nvSpPr>
+        <p:spPr/>
+        <p:txBody>
+          <a:bodyPr/>
+          <a:lstStyle/>
+          <a:p>
+            <a:r>
+              <a:rPr lang="en-US" dirty="0"/>
+              <a:t>Other Power of Strings</a:t>
+            </a:r>
+          </a:p>
+        </p:txBody>
+      </p:sp>
+      <p:sp>
+        <p:nvSpPr>
+          <p:cNvPr id="3" name="Content Placeholder 2">
+            <a:extLst>
+              <a:ext uri="{FF2B5EF4-FFF2-40B4-BE49-F238E27FC236}">
+                <a16:creationId xmlns:a16="http://schemas.microsoft.com/office/drawing/2014/main" id="{634F6152-254B-7843-AF9F-56EE5F86A634}"/>
+              </a:ext>
+            </a:extLst>
+          </p:cNvPr>
+          <p:cNvSpPr>
+            <a:spLocks noGrp="1"/>
+          </p:cNvSpPr>
+          <p:nvPr>
+            <p:ph idx="1"/>
+          </p:nvPr>
+        </p:nvSpPr>
+        <p:spPr/>
+        <p:txBody>
+          <a:bodyPr/>
+          <a:lstStyle/>
+          <a:p>
+            <a:r>
+              <a:rPr lang="en-US" dirty="0"/>
+              <a:t>s = ’abracadabra’</a:t>
+            </a:r>
+          </a:p>
+          <a:p>
+            <a:r>
+              <a:rPr lang="en-US" dirty="0" err="1"/>
+              <a:t>s.count</a:t>
+            </a:r>
+            <a:r>
+              <a:rPr lang="en-US" dirty="0"/>
+              <a:t>(‘a’) == 5</a:t>
+            </a:r>
+          </a:p>
+          <a:p>
+            <a:r>
+              <a:rPr lang="en-US" dirty="0" err="1"/>
+              <a:t>len</a:t>
+            </a:r>
+            <a:r>
+              <a:rPr lang="en-US" dirty="0"/>
+              <a:t>(s) == 11</a:t>
+            </a:r>
+          </a:p>
+          <a:p>
+            <a:r>
+              <a:rPr lang="en-US" dirty="0" err="1"/>
+              <a:t>s.strip</a:t>
+            </a:r>
+            <a:r>
+              <a:rPr lang="en-US" dirty="0"/>
+              <a:t>(‘a’) == ’</a:t>
+            </a:r>
+            <a:r>
+              <a:rPr lang="en-US" dirty="0" err="1"/>
+              <a:t>bracadabra</a:t>
+            </a:r>
+            <a:r>
+              <a:rPr lang="en-US" dirty="0"/>
+              <a:t>’</a:t>
+            </a:r>
+          </a:p>
+          <a:p>
+            <a:r>
+              <a:rPr lang="en-US" dirty="0"/>
+              <a:t>‘  </a:t>
+            </a:r>
+            <a:r>
+              <a:rPr lang="en-US" dirty="0" err="1"/>
+              <a:t>Ilikepython</a:t>
+            </a:r>
+            <a:r>
+              <a:rPr lang="en-US" dirty="0"/>
+              <a:t>  ‘.strip() == ‘</a:t>
+            </a:r>
+            <a:r>
+              <a:rPr lang="en-US" dirty="0" err="1"/>
+              <a:t>Ilikepython</a:t>
+            </a:r>
+            <a:r>
+              <a:rPr lang="en-US" dirty="0"/>
+              <a:t>’</a:t>
+            </a:r>
+          </a:p>
+          <a:p>
+            <a:endParaRPr lang="en-US" dirty="0"/>
+          </a:p>
+        </p:txBody>
+      </p:sp>
+    </p:spTree>
+    <p:extLst>
+      <p:ext uri="{BB962C8B-B14F-4D97-AF65-F5344CB8AC3E}">
+        <p14:creationId xmlns:p14="http://schemas.microsoft.com/office/powerpoint/2010/main" val="3947404782"/>
+      </p:ext>
+    </p:extLst>
+  </p:cSld>
+  <p:clrMapOvr>
+    <a:masterClrMapping/>
+  </p:clrMapOvr>
+</p:sld>
+</file>
+
+<file path=ppt/slides/slide18.xml><?xml version="1.0" encoding="utf-8"?>
+<p:sld xmlns:a="http://schemas.openxmlformats.org/drawingml/2006/main" xmlns:r="http://schemas.openxmlformats.org/officeDocument/2006/relationships" xmlns:p="http://schemas.openxmlformats.org/presentationml/2006/main">
+  <p:cSld>
+    <p:spTree>
+      <p:nvGrpSpPr>
+        <p:cNvPr id="1" name=""/>
+        <p:cNvGrpSpPr/>
+        <p:nvPr/>
+      </p:nvGrpSpPr>
+      <p:grpSpPr>
+        <a:xfrm>
+          <a:off x="0" y="0"/>
+          <a:ext cx="0" cy="0"/>
+          <a:chOff x="0" y="0"/>
+          <a:chExt cx="0" cy="0"/>
+        </a:xfrm>
+      </p:grpSpPr>
+      <p:sp>
+        <p:nvSpPr>
+          <p:cNvPr id="2" name="Title 1">
+            <a:extLst>
+              <a:ext uri="{FF2B5EF4-FFF2-40B4-BE49-F238E27FC236}">
+                <a16:creationId xmlns:a16="http://schemas.microsoft.com/office/drawing/2014/main" id="{EE07FF5C-2B06-DD4D-A919-809B8D6E8BA4}"/>
+              </a:ext>
+            </a:extLst>
+          </p:cNvPr>
+          <p:cNvSpPr>
+            <a:spLocks noGrp="1"/>
+          </p:cNvSpPr>
+          <p:nvPr>
+            <p:ph type="title"/>
+          </p:nvPr>
+        </p:nvSpPr>
+        <p:spPr/>
+        <p:txBody>
+          <a:bodyPr/>
+          <a:lstStyle/>
+          <a:p>
+            <a:r>
+              <a:rPr lang="en-US" dirty="0"/>
+              <a:t>Homework</a:t>
+            </a:r>
+          </a:p>
+        </p:txBody>
+      </p:sp>
+      <p:sp>
+        <p:nvSpPr>
+          <p:cNvPr id="3" name="Content Placeholder 2">
+            <a:extLst>
+              <a:ext uri="{FF2B5EF4-FFF2-40B4-BE49-F238E27FC236}">
+                <a16:creationId xmlns:a16="http://schemas.microsoft.com/office/drawing/2014/main" id="{FFF3261C-027D-264C-854D-34B9D85CEFAA}"/>
+              </a:ext>
+            </a:extLst>
+          </p:cNvPr>
+          <p:cNvSpPr>
+            <a:spLocks noGrp="1"/>
+          </p:cNvSpPr>
+          <p:nvPr>
+            <p:ph idx="1"/>
+          </p:nvPr>
+        </p:nvSpPr>
+        <p:spPr/>
+        <p:txBody>
+          <a:bodyPr/>
+          <a:lstStyle/>
+          <a:p>
+            <a:r>
+              <a:rPr lang="en-US" dirty="0"/>
+              <a:t>Install PyCharm</a:t>
+            </a:r>
+          </a:p>
+          <a:p>
+            <a:r>
+              <a:rPr lang="en-US" dirty="0"/>
+              <a:t>Create a project using PyCharm</a:t>
+            </a:r>
+          </a:p>
+          <a:p>
+            <a:r>
+              <a:rPr lang="en-US" dirty="0"/>
+              <a:t>Create a Python file and write codes about your </a:t>
+            </a:r>
+            <a:r>
+              <a:rPr lang="en-US" dirty="0" err="1"/>
+              <a:t>favourite</a:t>
+            </a:r>
+            <a:r>
+              <a:rPr lang="en-US" dirty="0"/>
+              <a:t> character, add characteristics(variables) and behaviour(functions/methods) to it, like the Kirby example</a:t>
+            </a:r>
+          </a:p>
+        </p:txBody>
+      </p:sp>
+    </p:spTree>
+    <p:extLst>
+      <p:ext uri="{BB962C8B-B14F-4D97-AF65-F5344CB8AC3E}">
+        <p14:creationId xmlns:p14="http://schemas.microsoft.com/office/powerpoint/2010/main" val="439703930"/>
       </p:ext>
     </p:extLst>
   </p:cSld>
